--- a/Presentations/CSS Class 07.pptx
+++ b/Presentations/CSS Class 07.pptx
@@ -202,7 +202,7 @@
           <a:p>
             <a:fld id="{EDE0A0D5-8F98-4CC1-A28E-021F0B6B475C}" type="datetimeFigureOut">
               <a:rPr lang="en-US" smtClean="0"/>
-              <a:t>1/1/2023</a:t>
+              <a:t>1/29/2023</a:t>
             </a:fld>
             <a:endParaRPr lang="en-US" dirty="0"/>
           </a:p>
@@ -657,7 +657,7 @@
           <a:p>
             <a:fld id="{3A750590-9F9A-443B-9295-A3931D8194B1}" type="datetime1">
               <a:rPr lang="en-US" smtClean="0"/>
-              <a:t>1/1/2023</a:t>
+              <a:t>1/29/2023</a:t>
             </a:fld>
             <a:endParaRPr lang="en-US" dirty="0"/>
           </a:p>
@@ -995,7 +995,7 @@
           <a:p>
             <a:fld id="{D9359126-4846-4E88-BDD9-5585CC877E47}" type="datetime1">
               <a:rPr lang="en-US" smtClean="0"/>
-              <a:t>1/1/2023</a:t>
+              <a:t>1/29/2023</a:t>
             </a:fld>
             <a:endParaRPr lang="en-US" dirty="0"/>
           </a:p>
@@ -1398,7 +1398,7 @@
           <a:p>
             <a:fld id="{D9359126-4846-4E88-BDD9-5585CC877E47}" type="datetime1">
               <a:rPr lang="en-US" smtClean="0"/>
-              <a:t>1/1/2023</a:t>
+              <a:t>1/29/2023</a:t>
             </a:fld>
             <a:endParaRPr lang="en-US" dirty="0"/>
           </a:p>
@@ -1736,7 +1736,7 @@
           <a:p>
             <a:fld id="{D9359126-4846-4E88-BDD9-5585CC877E47}" type="datetime1">
               <a:rPr lang="en-US" smtClean="0"/>
-              <a:t>1/1/2023</a:t>
+              <a:t>1/29/2023</a:t>
             </a:fld>
             <a:endParaRPr lang="en-US" dirty="0"/>
           </a:p>
@@ -2058,7 +2058,7 @@
           <a:p>
             <a:fld id="{D9359126-4846-4E88-BDD9-5585CC877E47}" type="datetime1">
               <a:rPr lang="en-US" smtClean="0"/>
-              <a:t>1/1/2023</a:t>
+              <a:t>1/29/2023</a:t>
             </a:fld>
             <a:endParaRPr lang="en-US" dirty="0"/>
           </a:p>
@@ -2456,7 +2456,7 @@
           <a:p>
             <a:fld id="{D9359126-4846-4E88-BDD9-5585CC877E47}" type="datetime1">
               <a:rPr lang="en-US" smtClean="0"/>
-              <a:t>1/1/2023</a:t>
+              <a:t>1/29/2023</a:t>
             </a:fld>
             <a:endParaRPr lang="en-US" dirty="0"/>
           </a:p>
@@ -2715,7 +2715,7 @@
           <a:p>
             <a:fld id="{1F96F347-1B2F-4097-AEB5-4A26FB45D67A}" type="datetime1">
               <a:rPr lang="en-US" smtClean="0"/>
-              <a:t>1/1/2023</a:t>
+              <a:t>1/29/2023</a:t>
             </a:fld>
             <a:endParaRPr lang="en-US" dirty="0"/>
           </a:p>
@@ -2977,7 +2977,7 @@
           <a:p>
             <a:fld id="{8CC1DEE0-34E5-4E0F-BEC1-4B8835F82CD1}" type="datetime1">
               <a:rPr lang="en-US" smtClean="0"/>
-              <a:t>1/1/2023</a:t>
+              <a:t>1/29/2023</a:t>
             </a:fld>
             <a:endParaRPr lang="en-US" dirty="0"/>
           </a:p>
@@ -3239,7 +3239,7 @@
           <a:p>
             <a:fld id="{3B75B4BE-627A-4EC1-99E1-6F1AA97AB802}" type="datetime1">
               <a:rPr lang="en-US" smtClean="0"/>
-              <a:t>1/1/2023</a:t>
+              <a:t>1/29/2023</a:t>
             </a:fld>
             <a:endParaRPr lang="en-US" dirty="0"/>
           </a:p>
@@ -3568,7 +3568,7 @@
           <a:p>
             <a:fld id="{78BFACF8-E63D-4673-A128-83547867BB7A}" type="datetime1">
               <a:rPr lang="en-US" smtClean="0"/>
-              <a:t>1/1/2023</a:t>
+              <a:t>1/29/2023</a:t>
             </a:fld>
             <a:endParaRPr lang="en-US" dirty="0"/>
           </a:p>
@@ -3891,7 +3891,7 @@
           <a:p>
             <a:fld id="{15BED6AC-4FBA-40BD-BE75-20DB64DA4BAD}" type="datetime1">
               <a:rPr lang="en-US" smtClean="0"/>
-              <a:t>1/1/2023</a:t>
+              <a:t>1/29/2023</a:t>
             </a:fld>
             <a:endParaRPr lang="en-US" dirty="0"/>
           </a:p>
@@ -4348,7 +4348,7 @@
           <a:p>
             <a:fld id="{3F933C87-D201-458A-93C0-8EDD9AC92D93}" type="datetime1">
               <a:rPr lang="en-US" smtClean="0"/>
-              <a:t>1/1/2023</a:t>
+              <a:t>1/29/2023</a:t>
             </a:fld>
             <a:endParaRPr lang="en-US" dirty="0"/>
           </a:p>
@@ -4553,7 +4553,7 @@
           <a:p>
             <a:fld id="{76CE6829-5A25-485A-91B1-5D6D58BB9F23}" type="datetime1">
               <a:rPr lang="en-US" smtClean="0"/>
-              <a:t>1/1/2023</a:t>
+              <a:t>1/29/2023</a:t>
             </a:fld>
             <a:endParaRPr lang="en-US" dirty="0"/>
           </a:p>
@@ -4730,7 +4730,7 @@
           <a:p>
             <a:fld id="{9912F5CD-23D0-4DD1-85B1-71F1825FB3EC}" type="datetime1">
               <a:rPr lang="en-US" smtClean="0"/>
-              <a:t>1/1/2023</a:t>
+              <a:t>1/29/2023</a:t>
             </a:fld>
             <a:endParaRPr lang="en-US" dirty="0"/>
           </a:p>
@@ -5063,7 +5063,7 @@
           <a:p>
             <a:fld id="{38BA5035-C284-496A-B076-BA73A8FA5D8B}" type="datetime1">
               <a:rPr lang="en-US" smtClean="0"/>
-              <a:t>1/1/2023</a:t>
+              <a:t>1/29/2023</a:t>
             </a:fld>
             <a:endParaRPr lang="en-US" dirty="0"/>
           </a:p>
@@ -5408,7 +5408,7 @@
           <a:p>
             <a:fld id="{B40EB420-1875-490A-8C4B-7AAB939FBE08}" type="datetime1">
               <a:rPr lang="en-US" smtClean="0"/>
-              <a:t>1/1/2023</a:t>
+              <a:t>1/29/2023</a:t>
             </a:fld>
             <a:endParaRPr lang="en-US" dirty="0"/>
           </a:p>
@@ -7525,7 +7525,7 @@
           <a:p>
             <a:fld id="{D9359126-4846-4E88-BDD9-5585CC877E47}" type="datetime1">
               <a:rPr lang="en-US" smtClean="0"/>
-              <a:t>1/1/2023</a:t>
+              <a:t>1/29/2023</a:t>
             </a:fld>
             <a:endParaRPr lang="en-US" dirty="0"/>
           </a:p>
@@ -8172,6 +8172,283 @@
           </a:p>
         </p:txBody>
       </p:sp>
+      <p:sp>
+        <p:nvSpPr>
+          <p:cNvPr id="5" name="Subtitle 3"/>
+          <p:cNvSpPr txBox="1">
+            <a:spLocks/>
+          </p:cNvSpPr>
+          <p:nvPr/>
+        </p:nvSpPr>
+        <p:spPr>
+          <a:xfrm>
+            <a:off x="7785735" y="5707719"/>
+            <a:ext cx="4668626" cy="1126283"/>
+          </a:xfrm>
+          <a:prstGeom prst="rect">
+            <a:avLst/>
+          </a:prstGeom>
+        </p:spPr>
+        <p:txBody>
+          <a:bodyPr vert="horz" lIns="91440" tIns="45720" rIns="91440" bIns="45720" rtlCol="0" anchor="t">
+            <a:normAutofit/>
+          </a:bodyPr>
+          <a:lstStyle>
+            <a:lvl1pPr marL="0" indent="0" algn="l" defTabSz="457200" rtl="0" eaLnBrk="1" latinLnBrk="0" hangingPunct="1">
+              <a:spcBef>
+                <a:spcPts val="1000"/>
+              </a:spcBef>
+              <a:spcAft>
+                <a:spcPts val="0"/>
+              </a:spcAft>
+              <a:buClr>
+                <a:schemeClr val="accent1"/>
+              </a:buClr>
+              <a:buFont typeface="Wingdings 3" charset="2"/>
+              <a:buNone/>
+              <a:defRPr sz="1800" kern="1200">
+                <a:solidFill>
+                  <a:schemeClr val="tx1">
+                    <a:lumMod val="65000"/>
+                    <a:lumOff val="35000"/>
+                  </a:schemeClr>
+                </a:solidFill>
+                <a:latin typeface="+mn-lt"/>
+                <a:ea typeface="+mn-ea"/>
+                <a:cs typeface="+mn-cs"/>
+              </a:defRPr>
+            </a:lvl1pPr>
+            <a:lvl2pPr marL="457200" indent="0" algn="ctr" defTabSz="457200" rtl="0" eaLnBrk="1" latinLnBrk="0" hangingPunct="1">
+              <a:spcBef>
+                <a:spcPts val="1000"/>
+              </a:spcBef>
+              <a:spcAft>
+                <a:spcPts val="0"/>
+              </a:spcAft>
+              <a:buClr>
+                <a:schemeClr val="accent1"/>
+              </a:buClr>
+              <a:buFont typeface="Wingdings 3" charset="2"/>
+              <a:buNone/>
+              <a:defRPr sz="1600" kern="1200">
+                <a:solidFill>
+                  <a:schemeClr val="tx1">
+                    <a:tint val="75000"/>
+                  </a:schemeClr>
+                </a:solidFill>
+                <a:latin typeface="+mn-lt"/>
+                <a:ea typeface="+mn-ea"/>
+                <a:cs typeface="+mn-cs"/>
+              </a:defRPr>
+            </a:lvl2pPr>
+            <a:lvl3pPr marL="914400" indent="0" algn="ctr" defTabSz="457200" rtl="0" eaLnBrk="1" latinLnBrk="0" hangingPunct="1">
+              <a:spcBef>
+                <a:spcPts val="1000"/>
+              </a:spcBef>
+              <a:spcAft>
+                <a:spcPts val="0"/>
+              </a:spcAft>
+              <a:buClr>
+                <a:schemeClr val="accent1"/>
+              </a:buClr>
+              <a:buFont typeface="Wingdings 3" charset="2"/>
+              <a:buNone/>
+              <a:defRPr sz="1400" kern="1200">
+                <a:solidFill>
+                  <a:schemeClr val="tx1">
+                    <a:tint val="75000"/>
+                  </a:schemeClr>
+                </a:solidFill>
+                <a:latin typeface="+mn-lt"/>
+                <a:ea typeface="+mn-ea"/>
+                <a:cs typeface="+mn-cs"/>
+              </a:defRPr>
+            </a:lvl3pPr>
+            <a:lvl4pPr marL="1371600" indent="0" algn="ctr" defTabSz="457200" rtl="0" eaLnBrk="1" latinLnBrk="0" hangingPunct="1">
+              <a:spcBef>
+                <a:spcPts val="1000"/>
+              </a:spcBef>
+              <a:spcAft>
+                <a:spcPts val="0"/>
+              </a:spcAft>
+              <a:buClr>
+                <a:schemeClr val="accent1"/>
+              </a:buClr>
+              <a:buFont typeface="Wingdings 3" charset="2"/>
+              <a:buNone/>
+              <a:defRPr sz="1200" kern="1200">
+                <a:solidFill>
+                  <a:schemeClr val="tx1">
+                    <a:tint val="75000"/>
+                  </a:schemeClr>
+                </a:solidFill>
+                <a:latin typeface="+mn-lt"/>
+                <a:ea typeface="+mn-ea"/>
+                <a:cs typeface="+mn-cs"/>
+              </a:defRPr>
+            </a:lvl4pPr>
+            <a:lvl5pPr marL="1828800" indent="0" algn="ctr" defTabSz="457200" rtl="0" eaLnBrk="1" latinLnBrk="0" hangingPunct="1">
+              <a:spcBef>
+                <a:spcPts val="1000"/>
+              </a:spcBef>
+              <a:spcAft>
+                <a:spcPts val="0"/>
+              </a:spcAft>
+              <a:buClr>
+                <a:schemeClr val="accent1"/>
+              </a:buClr>
+              <a:buFont typeface="Wingdings 3" charset="2"/>
+              <a:buNone/>
+              <a:defRPr sz="1200" kern="1200">
+                <a:solidFill>
+                  <a:schemeClr val="tx1">
+                    <a:tint val="75000"/>
+                  </a:schemeClr>
+                </a:solidFill>
+                <a:latin typeface="+mn-lt"/>
+                <a:ea typeface="+mn-ea"/>
+                <a:cs typeface="+mn-cs"/>
+              </a:defRPr>
+            </a:lvl5pPr>
+            <a:lvl6pPr marL="2286000" indent="0" algn="ctr" defTabSz="457200" rtl="0" eaLnBrk="1" latinLnBrk="0" hangingPunct="1">
+              <a:spcBef>
+                <a:spcPts val="1000"/>
+              </a:spcBef>
+              <a:spcAft>
+                <a:spcPts val="0"/>
+              </a:spcAft>
+              <a:buClr>
+                <a:schemeClr val="accent1"/>
+              </a:buClr>
+              <a:buFont typeface="Wingdings 3" charset="2"/>
+              <a:buNone/>
+              <a:defRPr sz="1200" kern="1200">
+                <a:solidFill>
+                  <a:schemeClr val="tx1">
+                    <a:tint val="75000"/>
+                  </a:schemeClr>
+                </a:solidFill>
+                <a:latin typeface="+mn-lt"/>
+                <a:ea typeface="+mn-ea"/>
+                <a:cs typeface="+mn-cs"/>
+              </a:defRPr>
+            </a:lvl6pPr>
+            <a:lvl7pPr marL="2743200" indent="0" algn="ctr" defTabSz="457200" rtl="0" eaLnBrk="1" latinLnBrk="0" hangingPunct="1">
+              <a:spcBef>
+                <a:spcPts val="1000"/>
+              </a:spcBef>
+              <a:spcAft>
+                <a:spcPts val="0"/>
+              </a:spcAft>
+              <a:buClr>
+                <a:schemeClr val="accent1"/>
+              </a:buClr>
+              <a:buFont typeface="Wingdings 3" charset="2"/>
+              <a:buNone/>
+              <a:defRPr sz="1200" kern="1200">
+                <a:solidFill>
+                  <a:schemeClr val="tx1">
+                    <a:tint val="75000"/>
+                  </a:schemeClr>
+                </a:solidFill>
+                <a:latin typeface="+mn-lt"/>
+                <a:ea typeface="+mn-ea"/>
+                <a:cs typeface="+mn-cs"/>
+              </a:defRPr>
+            </a:lvl7pPr>
+            <a:lvl8pPr marL="3200400" indent="0" algn="ctr" defTabSz="457200" rtl="0" eaLnBrk="1" latinLnBrk="0" hangingPunct="1">
+              <a:spcBef>
+                <a:spcPts val="1000"/>
+              </a:spcBef>
+              <a:spcAft>
+                <a:spcPts val="0"/>
+              </a:spcAft>
+              <a:buClr>
+                <a:schemeClr val="accent1"/>
+              </a:buClr>
+              <a:buFont typeface="Wingdings 3" charset="2"/>
+              <a:buNone/>
+              <a:defRPr sz="1200" kern="1200">
+                <a:solidFill>
+                  <a:schemeClr val="tx1">
+                    <a:tint val="75000"/>
+                  </a:schemeClr>
+                </a:solidFill>
+                <a:latin typeface="+mn-lt"/>
+                <a:ea typeface="+mn-ea"/>
+                <a:cs typeface="+mn-cs"/>
+              </a:defRPr>
+            </a:lvl8pPr>
+            <a:lvl9pPr marL="3657600" indent="0" algn="ctr" defTabSz="457200" rtl="0" eaLnBrk="1" latinLnBrk="0" hangingPunct="1">
+              <a:spcBef>
+                <a:spcPts val="1000"/>
+              </a:spcBef>
+              <a:spcAft>
+                <a:spcPts val="0"/>
+              </a:spcAft>
+              <a:buClr>
+                <a:schemeClr val="accent1"/>
+              </a:buClr>
+              <a:buFont typeface="Wingdings 3" charset="2"/>
+              <a:buNone/>
+              <a:defRPr sz="1200" kern="1200">
+                <a:solidFill>
+                  <a:schemeClr val="tx1">
+                    <a:tint val="75000"/>
+                  </a:schemeClr>
+                </a:solidFill>
+                <a:latin typeface="+mn-lt"/>
+                <a:ea typeface="+mn-ea"/>
+                <a:cs typeface="+mn-cs"/>
+              </a:defRPr>
+            </a:lvl9pPr>
+          </a:lstStyle>
+          <a:p>
+            <a:r>
+              <a:rPr lang="en-US" sz="2800" b="1" dirty="0" smtClean="0">
+                <a:solidFill>
+                  <a:schemeClr val="tx1"/>
+                </a:solidFill>
+                <a:latin typeface="Times New Roman" panose="02020603050405020304" pitchFamily="18" charset="0"/>
+                <a:cs typeface="Times New Roman" panose="02020603050405020304" pitchFamily="18" charset="0"/>
+              </a:rPr>
+              <a:t>Instructor : </a:t>
+            </a:r>
+            <a:r>
+              <a:rPr lang="en-US" sz="2800" dirty="0" smtClean="0">
+                <a:solidFill>
+                  <a:schemeClr val="tx1"/>
+                </a:solidFill>
+                <a:latin typeface="Times New Roman" panose="02020603050405020304" pitchFamily="18" charset="0"/>
+                <a:cs typeface="Times New Roman" panose="02020603050405020304" pitchFamily="18" charset="0"/>
+              </a:rPr>
+              <a:t>Umair Azmat</a:t>
+            </a:r>
+          </a:p>
+          <a:p>
+            <a:r>
+              <a:rPr lang="en-US" sz="2800" b="1" dirty="0" smtClean="0">
+                <a:solidFill>
+                  <a:schemeClr val="tx1"/>
+                </a:solidFill>
+                <a:latin typeface="Times New Roman" panose="02020603050405020304" pitchFamily="18" charset="0"/>
+                <a:cs typeface="Times New Roman" panose="02020603050405020304" pitchFamily="18" charset="0"/>
+              </a:rPr>
+              <a:t>WhatsApp : </a:t>
+            </a:r>
+            <a:r>
+              <a:rPr lang="en-US" sz="2800" dirty="0" smtClean="0">
+                <a:solidFill>
+                  <a:schemeClr val="tx1"/>
+                </a:solidFill>
+                <a:latin typeface="Times New Roman" panose="02020603050405020304" pitchFamily="18" charset="0"/>
+                <a:cs typeface="Times New Roman" panose="02020603050405020304" pitchFamily="18" charset="0"/>
+              </a:rPr>
+              <a:t>+923217061116</a:t>
+            </a:r>
+          </a:p>
+        </p:txBody>
+      </p:sp>
     </p:spTree>
     <p:extLst>
       <p:ext uri="{BB962C8B-B14F-4D97-AF65-F5344CB8AC3E}">
@@ -9037,6 +9314,10 @@
               </a:rPr>
               <a:t>/* Extra small devices (phones, 600px and down) */</a:t>
             </a:r>
+            <a:r>
+              <a:rPr lang="en-US" dirty="0"/>
+              <a:t/>
+            </a:r>
             <a:br>
               <a:rPr lang="en-US" dirty="0"/>
             </a:br>
@@ -9080,9 +9361,17 @@
               </a:rPr>
               <a:t>}</a:t>
             </a:r>
+            <a:r>
+              <a:rPr lang="en-US" dirty="0"/>
+              <a:t/>
+            </a:r>
             <a:br>
               <a:rPr lang="en-US" dirty="0"/>
             </a:br>
+            <a:r>
+              <a:rPr lang="en-US" dirty="0"/>
+              <a:t/>
+            </a:r>
             <a:br>
               <a:rPr lang="en-US" dirty="0"/>
             </a:br>
@@ -9096,6 +9385,10 @@
               </a:rPr>
               <a:t>/* Small devices (portrait tablets and large phones, 600px and up) */</a:t>
             </a:r>
+            <a:r>
+              <a:rPr lang="en-US" dirty="0"/>
+              <a:t/>
+            </a:r>
             <a:br>
               <a:rPr lang="en-US" dirty="0"/>
             </a:br>
@@ -9139,9 +9432,17 @@
               </a:rPr>
               <a:t>}</a:t>
             </a:r>
+            <a:r>
+              <a:rPr lang="en-US" dirty="0"/>
+              <a:t/>
+            </a:r>
             <a:br>
               <a:rPr lang="en-US" dirty="0"/>
             </a:br>
+            <a:r>
+              <a:rPr lang="en-US" dirty="0"/>
+              <a:t/>
+            </a:r>
             <a:br>
               <a:rPr lang="en-US" dirty="0"/>
             </a:br>
@@ -9155,6 +9456,10 @@
               </a:rPr>
               <a:t>/* Medium devices (landscape tablets, 768px and up) */</a:t>
             </a:r>
+            <a:r>
+              <a:rPr lang="en-US" dirty="0"/>
+              <a:t/>
+            </a:r>
             <a:br>
               <a:rPr lang="en-US" dirty="0"/>
             </a:br>
@@ -9198,9 +9503,17 @@
               </a:rPr>
               <a:t>}</a:t>
             </a:r>
+            <a:r>
+              <a:rPr lang="en-US" dirty="0"/>
+              <a:t/>
+            </a:r>
             <a:br>
               <a:rPr lang="en-US" dirty="0"/>
             </a:br>
+            <a:r>
+              <a:rPr lang="en-US" dirty="0"/>
+              <a:t/>
+            </a:r>
             <a:br>
               <a:rPr lang="en-US" dirty="0"/>
             </a:br>
@@ -9214,6 +9527,10 @@
               </a:rPr>
               <a:t>/* Large devices (laptops/desktops, 992px and up) */</a:t>
             </a:r>
+            <a:r>
+              <a:rPr lang="en-US" dirty="0"/>
+              <a:t/>
+            </a:r>
             <a:br>
               <a:rPr lang="en-US" dirty="0"/>
             </a:br>
@@ -9257,9 +9574,17 @@
               </a:rPr>
               <a:t>}</a:t>
             </a:r>
+            <a:r>
+              <a:rPr lang="en-US" dirty="0"/>
+              <a:t/>
+            </a:r>
             <a:br>
               <a:rPr lang="en-US" dirty="0"/>
             </a:br>
+            <a:r>
+              <a:rPr lang="en-US" dirty="0"/>
+              <a:t/>
+            </a:r>
             <a:br>
               <a:rPr lang="en-US" dirty="0"/>
             </a:br>
@@ -9272,6 +9597,10 @@
                 <a:latin typeface="Consolas" panose="020B0609020204030204" pitchFamily="49" charset="0"/>
               </a:rPr>
               <a:t>/* Extra large devices (large laptops and desktops, 1200px and up) */</a:t>
+            </a:r>
+            <a:r>
+              <a:rPr lang="en-US" dirty="0"/>
+              <a:t/>
             </a:r>
             <a:br>
               <a:rPr lang="en-US" dirty="0"/>
@@ -9819,12 +10148,11 @@
 </file>
 
 <file path=customXml/item1.xml><?xml version="1.0" encoding="utf-8"?>
-<?mso-contentType ?>
-<FormTemplates xmlns="http://schemas.microsoft.com/sharepoint/v3/contenttype/forms">
-  <Display>DocumentLibraryForm</Display>
-  <Edit>DocumentLibraryForm</Edit>
-  <New>DocumentLibraryForm</New>
-</FormTemplates>
+<p:properties xmlns:p="http://schemas.microsoft.com/office/2006/metadata/properties" xmlns:xsi="http://www.w3.org/2001/XMLSchema-instance" xmlns:pc="http://schemas.microsoft.com/office/infopath/2007/PartnerControls">
+  <documentManagement>
+    <MediaServiceKeyPoints xmlns="71af3243-3dd4-4a8d-8c0d-dd76da1f02a5" xsi:nil="true"/>
+  </documentManagement>
+</p:properties>
 </file>
 
 <file path=customXml/item2.xml><?xml version="1.0" encoding="utf-8"?>
@@ -10039,17 +10367,20 @@
 </file>
 
 <file path=customXml/item3.xml><?xml version="1.0" encoding="utf-8"?>
-<p:properties xmlns:p="http://schemas.microsoft.com/office/2006/metadata/properties" xmlns:xsi="http://www.w3.org/2001/XMLSchema-instance" xmlns:pc="http://schemas.microsoft.com/office/infopath/2007/PartnerControls">
-  <documentManagement>
-    <MediaServiceKeyPoints xmlns="71af3243-3dd4-4a8d-8c0d-dd76da1f02a5" xsi:nil="true"/>
-  </documentManagement>
-</p:properties>
+<?mso-contentType ?>
+<FormTemplates xmlns="http://schemas.microsoft.com/sharepoint/v3/contenttype/forms">
+  <Display>DocumentLibraryForm</Display>
+  <Edit>DocumentLibraryForm</Edit>
+  <New>DocumentLibraryForm</New>
+</FormTemplates>
 </file>
 
 <file path=customXml/itemProps1.xml><?xml version="1.0" encoding="utf-8"?>
-<ds:datastoreItem xmlns:ds="http://schemas.openxmlformats.org/officeDocument/2006/customXml" ds:itemID="{10BEB954-4024-4CCF-A9D6-4C00FDC028D9}">
+<ds:datastoreItem xmlns:ds="http://schemas.openxmlformats.org/officeDocument/2006/customXml" ds:itemID="{4710EE66-8707-456F-8F2E-091D581CB030}">
   <ds:schemaRefs>
-    <ds:schemaRef ds:uri="http://schemas.microsoft.com/sharepoint/v3/contenttype/forms"/>
+    <ds:schemaRef ds:uri="http://schemas.microsoft.com/office/2006/metadata/properties"/>
+    <ds:schemaRef ds:uri="http://schemas.microsoft.com/office/infopath/2007/PartnerControls"/>
+    <ds:schemaRef ds:uri="71af3243-3dd4-4a8d-8c0d-dd76da1f02a5"/>
   </ds:schemaRefs>
 </ds:datastoreItem>
 </file>
@@ -10074,11 +10405,9 @@
 </file>
 
 <file path=customXml/itemProps3.xml><?xml version="1.0" encoding="utf-8"?>
-<ds:datastoreItem xmlns:ds="http://schemas.openxmlformats.org/officeDocument/2006/customXml" ds:itemID="{4710EE66-8707-456F-8F2E-091D581CB030}">
+<ds:datastoreItem xmlns:ds="http://schemas.openxmlformats.org/officeDocument/2006/customXml" ds:itemID="{10BEB954-4024-4CCF-A9D6-4C00FDC028D9}">
   <ds:schemaRefs>
-    <ds:schemaRef ds:uri="http://schemas.microsoft.com/office/2006/metadata/properties"/>
-    <ds:schemaRef ds:uri="http://schemas.microsoft.com/office/infopath/2007/PartnerControls"/>
-    <ds:schemaRef ds:uri="71af3243-3dd4-4a8d-8c0d-dd76da1f02a5"/>
+    <ds:schemaRef ds:uri="http://schemas.microsoft.com/sharepoint/v3/contenttype/forms"/>
   </ds:schemaRefs>
 </ds:datastoreItem>
 </file>